--- a/Financial Risk Analyst Assessment.pptx
+++ b/Financial Risk Analyst Assessment.pptx
@@ -4565,6 +4565,13 @@
               <a:rPr lang="en-US" dirty="0"/>
               <a:t> link: </a:t>
             </a:r>
+            <a:r>
+              <a:rPr lang="en-US" dirty="0">
+                <a:hlinkClick r:id="rId2"/>
+              </a:rPr>
+              <a:t>https://github.com/mplusc/FRA</a:t>
+            </a:r>
+            <a:endParaRPr lang="en-US" dirty="0"/>
           </a:p>
           <a:p>
             <a:r>
@@ -4634,15 +4641,15 @@
           <p:nvPr/>
         </p:nvPicPr>
         <p:blipFill>
-          <a:blip r:embed="rId2"/>
+          <a:blip r:embed="rId3"/>
           <a:stretch>
             <a:fillRect/>
           </a:stretch>
         </p:blipFill>
         <p:spPr>
           <a:xfrm>
-            <a:off x="4527550" y="1690733"/>
-            <a:ext cx="3133724" cy="2143272"/>
+            <a:off x="4008870" y="3581400"/>
+            <a:ext cx="2799483" cy="1914672"/>
           </a:xfrm>
           <a:prstGeom prst="rect">
             <a:avLst/>
@@ -4664,15 +4671,15 @@
           <p:nvPr/>
         </p:nvPicPr>
         <p:blipFill>
-          <a:blip r:embed="rId3"/>
+          <a:blip r:embed="rId4"/>
           <a:stretch>
             <a:fillRect/>
           </a:stretch>
         </p:blipFill>
         <p:spPr>
           <a:xfrm>
-            <a:off x="4113212" y="4095631"/>
-            <a:ext cx="4419600" cy="2476737"/>
+            <a:off x="6983243" y="3581400"/>
+            <a:ext cx="4623139" cy="2590800"/>
           </a:xfrm>
           <a:prstGeom prst="rect">
             <a:avLst/>

--- a/Financial Risk Analyst Assessment.pptx
+++ b/Financial Risk Analyst Assessment.pptx
@@ -4374,13 +4374,21 @@
           <a:p>
             <a:r>
               <a:rPr lang="en-US" dirty="0"/>
-              <a:t>Based on our forecasts Navy Federal should not increase interest rates to 6%</a:t>
-            </a:r>
-          </a:p>
-          <a:p>
+              <a:t>Based on our forecasts Navy Federal should </a:t>
+            </a:r>
+            <a:r>
+              <a:rPr lang="en-US" b="1" dirty="0"/>
+              <a:t>not</a:t>
+            </a:r>
             <a:r>
               <a:rPr lang="en-US" dirty="0"/>
-              <a:t>Net Profit Margins are better for the 6% interest rate</a:t>
+              <a:t> increase interest rates to 6%</a:t>
+            </a:r>
+          </a:p>
+          <a:p>
+            <a:r>
+              <a:rPr lang="en-US" dirty="0"/>
+              <a:t>Net Profit Margins are about 44% greater for 6% rate vs the 5% rate</a:t>
             </a:r>
           </a:p>
           <a:p>
@@ -4470,7 +4478,7 @@
         </p:blipFill>
         <p:spPr>
           <a:xfrm>
-            <a:off x="7705710" y="2434317"/>
+            <a:off x="9317010" y="2585233"/>
             <a:ext cx="2695575" cy="581025"/>
           </a:xfrm>
           <a:prstGeom prst="rect">
